--- a/teach/dcs290/slides-22/lec_7.pptx
+++ b/teach/dcs290/slides-22/lec_7.pptx
@@ -294,7 +294,7 @@
               <a:pPr>
                 <a:defRPr/>
               </a:pPr>
-              <a:t>2022/3/14</a:t>
+              <a:t>2022/3/15</a:t>
             </a:fld>
             <a:endParaRPr lang="zh-CN" altLang="en-US"/>
           </a:p>
@@ -512,7 +512,7 @@
               <a:pPr>
                 <a:defRPr/>
               </a:pPr>
-              <a:t>2022/3/14</a:t>
+              <a:t>2022/3/15</a:t>
             </a:fld>
             <a:endParaRPr lang="zh-CN" altLang="en-US"/>
           </a:p>
@@ -8313,7 +8313,19 @@
           <a:p>
             <a:r>
               <a:rPr lang="en-US" dirty="0"/>
-              <a:t>To recognize “int * int”</a:t>
+              <a:t>To recognize “</a:t>
+            </a:r>
+            <a:r>
+              <a:rPr lang="en-US" dirty="0">
+                <a:solidFill>
+                  <a:srgbClr val="7030A0"/>
+                </a:solidFill>
+              </a:rPr>
+              <a:t>int * int</a:t>
+            </a:r>
+            <a:r>
+              <a:rPr lang="en-US" dirty="0"/>
+              <a:t>”</a:t>
             </a:r>
           </a:p>
           <a:p>
@@ -10180,7 +10192,19 @@
           <a:p>
             <a:r>
               <a:rPr lang="en-US" dirty="0"/>
-              <a:t>To recognize “int * int”</a:t>
+              <a:t>To recognize “</a:t>
+            </a:r>
+            <a:r>
+              <a:rPr lang="en-US" dirty="0">
+                <a:solidFill>
+                  <a:srgbClr val="7030A0"/>
+                </a:solidFill>
+              </a:rPr>
+              <a:t>int * int</a:t>
+            </a:r>
+            <a:r>
+              <a:rPr lang="en-US" dirty="0"/>
+              <a:t>”</a:t>
             </a:r>
           </a:p>
           <a:p>
@@ -11951,7 +11975,19 @@
           <a:p>
             <a:r>
               <a:rPr lang="en-US" dirty="0"/>
-              <a:t>To recognize “int * int”</a:t>
+              <a:t>To recognize “</a:t>
+            </a:r>
+            <a:r>
+              <a:rPr lang="en-US" dirty="0">
+                <a:solidFill>
+                  <a:srgbClr val="7030A0"/>
+                </a:solidFill>
+              </a:rPr>
+              <a:t>int * int</a:t>
+            </a:r>
+            <a:r>
+              <a:rPr lang="en-US" dirty="0"/>
+              <a:t>”</a:t>
             </a:r>
           </a:p>
           <a:p>
@@ -13821,7 +13857,19 @@
           <a:p>
             <a:r>
               <a:rPr lang="en-US" dirty="0"/>
-              <a:t>To recognize “int * int”</a:t>
+              <a:t>To recognize “</a:t>
+            </a:r>
+            <a:r>
+              <a:rPr lang="en-US" dirty="0">
+                <a:solidFill>
+                  <a:srgbClr val="7030A0"/>
+                </a:solidFill>
+              </a:rPr>
+              <a:t>int * int</a:t>
+            </a:r>
+            <a:r>
+              <a:rPr lang="en-US" dirty="0"/>
+              <a:t>”</a:t>
             </a:r>
           </a:p>
           <a:p>
@@ -15595,7 +15643,19 @@
           <a:p>
             <a:r>
               <a:rPr lang="en-US" dirty="0"/>
-              <a:t>To recognize “int * int”</a:t>
+              <a:t>To recognize “</a:t>
+            </a:r>
+            <a:r>
+              <a:rPr lang="en-US" dirty="0">
+                <a:solidFill>
+                  <a:srgbClr val="7030A0"/>
+                </a:solidFill>
+              </a:rPr>
+              <a:t>int * int</a:t>
+            </a:r>
+            <a:r>
+              <a:rPr lang="en-US" dirty="0"/>
+              <a:t>”</a:t>
             </a:r>
           </a:p>
           <a:p>
@@ -19332,7 +19392,19 @@
           <a:p>
             <a:r>
               <a:rPr lang="en-US" dirty="0"/>
-              <a:t>To recognize “int * int”</a:t>
+              <a:t>To recognize “</a:t>
+            </a:r>
+            <a:r>
+              <a:rPr lang="en-US" dirty="0">
+                <a:solidFill>
+                  <a:srgbClr val="7030A0"/>
+                </a:solidFill>
+              </a:rPr>
+              <a:t>int * int</a:t>
+            </a:r>
+            <a:r>
+              <a:rPr lang="en-US" dirty="0"/>
+              <a:t>”</a:t>
             </a:r>
           </a:p>
           <a:p>
@@ -21111,7 +21183,19 @@
           <a:p>
             <a:r>
               <a:rPr lang="en-US" dirty="0"/>
-              <a:t>To recognize “int * int”</a:t>
+              <a:t>To recognize “</a:t>
+            </a:r>
+            <a:r>
+              <a:rPr lang="en-US" dirty="0">
+                <a:solidFill>
+                  <a:srgbClr val="7030A0"/>
+                </a:solidFill>
+              </a:rPr>
+              <a:t>int * int</a:t>
+            </a:r>
+            <a:r>
+              <a:rPr lang="en-US" dirty="0"/>
+              <a:t>”</a:t>
             </a:r>
           </a:p>
           <a:p>
@@ -22990,7 +23074,19 @@
           <a:p>
             <a:r>
               <a:rPr lang="en-US" dirty="0"/>
-              <a:t>To recognize “int * int”</a:t>
+              <a:t>To recognize “</a:t>
+            </a:r>
+            <a:r>
+              <a:rPr lang="en-US" dirty="0">
+                <a:solidFill>
+                  <a:srgbClr val="7030A0"/>
+                </a:solidFill>
+              </a:rPr>
+              <a:t>int * int</a:t>
+            </a:r>
+            <a:r>
+              <a:rPr lang="en-US" dirty="0"/>
+              <a:t>”</a:t>
             </a:r>
           </a:p>
           <a:p>
@@ -24834,7 +24930,19 @@
           <a:p>
             <a:r>
               <a:rPr lang="en-US" dirty="0"/>
-              <a:t>To recognize “int * int”</a:t>
+              <a:t>To recognize “</a:t>
+            </a:r>
+            <a:r>
+              <a:rPr lang="en-US" dirty="0">
+                <a:solidFill>
+                  <a:srgbClr val="7030A0"/>
+                </a:solidFill>
+              </a:rPr>
+              <a:t>int * int</a:t>
+            </a:r>
+            <a:r>
+              <a:rPr lang="en-US" dirty="0"/>
+              <a:t>”</a:t>
             </a:r>
           </a:p>
           <a:p>
@@ -28393,7 +28501,7 @@
                   </a:schemeClr>
                 </a:solidFill>
               </a:rPr>
-              <a:t>是完全不开）</a:t>
+              <a:t>是完全不看）</a:t>
             </a:r>
             <a:endParaRPr lang="en-CN" dirty="0">
               <a:solidFill>
@@ -30861,7 +30969,7 @@
       </p:par>
     </p:tnLst>
     <p:bldLst>
-      <p:bldP spid="5" grpId="0"/>
+      <p:bldP spid="5" grpId="0" animBg="1"/>
       <p:bldP spid="7" grpId="0"/>
     </p:bldLst>
   </p:timing>
